--- a/git命令更新.pptx
+++ b/git命令更新.pptx
@@ -7,6 +7,7 @@
   <p:sldIdLst>
     <p:sldId id="256" r:id="rId2"/>
     <p:sldId id="257" r:id="rId3"/>
+    <p:sldId id="258" r:id="rId4"/>
   </p:sldIdLst>
   <p:sldSz cx="12192000" cy="6858000"/>
   <p:notesSz cx="6858000" cy="9144000"/>
@@ -3056,11 +3057,7 @@
           <a:p>
             <a:r>
               <a:rPr lang="en-US" altLang="zh-CN" dirty="0" smtClean="0"/>
-              <a:t>4</a:t>
-            </a:r>
-            <a:r>
-              <a:rPr lang="en-US" altLang="zh-CN" dirty="0" smtClean="0"/>
-              <a:t>.</a:t>
+              <a:t>4.</a:t>
             </a:r>
             <a:r>
               <a:rPr lang="zh-CN" altLang="en-US" dirty="0" smtClean="0"/>
@@ -3395,6 +3392,90 @@
     <p:extLst>
       <p:ext uri="{BB962C8B-B14F-4D97-AF65-F5344CB8AC3E}">
         <p14:creationId xmlns:p14="http://schemas.microsoft.com/office/powerpoint/2010/main" val="2918169881"/>
+      </p:ext>
+    </p:extLst>
+  </p:cSld>
+  <p:clrMapOvr>
+    <a:masterClrMapping/>
+  </p:clrMapOvr>
+</p:sld>
+</file>
+
+<file path=ppt/slides/slide3.xml><?xml version="1.0" encoding="utf-8"?>
+<p:sld xmlns:a="http://schemas.openxmlformats.org/drawingml/2006/main" xmlns:r="http://schemas.openxmlformats.org/officeDocument/2006/relationships" xmlns:p="http://schemas.openxmlformats.org/presentationml/2006/main">
+  <p:cSld>
+    <p:spTree>
+      <p:nvGrpSpPr>
+        <p:cNvPr id="1" name=""/>
+        <p:cNvGrpSpPr/>
+        <p:nvPr/>
+      </p:nvGrpSpPr>
+      <p:grpSpPr>
+        <a:xfrm>
+          <a:off x="0" y="0"/>
+          <a:ext cx="0" cy="0"/>
+          <a:chOff x="0" y="0"/>
+          <a:chExt cx="0" cy="0"/>
+        </a:xfrm>
+      </p:grpSpPr>
+      <p:sp>
+        <p:nvSpPr>
+          <p:cNvPr id="2" name="标题 1"/>
+          <p:cNvSpPr>
+            <a:spLocks noGrp="1"/>
+          </p:cNvSpPr>
+          <p:nvPr>
+            <p:ph type="title"/>
+          </p:nvPr>
+        </p:nvSpPr>
+        <p:spPr/>
+        <p:txBody>
+          <a:bodyPr/>
+          <a:lstStyle/>
+          <a:p>
+            <a:r>
+              <a:rPr lang="en-US" altLang="zh-CN" dirty="0" err="1" smtClean="0"/>
+              <a:t>Git</a:t>
+            </a:r>
+            <a:r>
+              <a:rPr lang="zh-CN" altLang="en-US" dirty="0" smtClean="0"/>
+              <a:t>命令</a:t>
+            </a:r>
+            <a:endParaRPr lang="zh-CN" altLang="en-US" dirty="0"/>
+          </a:p>
+        </p:txBody>
+      </p:sp>
+      <p:sp>
+        <p:nvSpPr>
+          <p:cNvPr id="3" name="内容占位符 2"/>
+          <p:cNvSpPr>
+            <a:spLocks noGrp="1"/>
+          </p:cNvSpPr>
+          <p:nvPr>
+            <p:ph idx="1"/>
+          </p:nvPr>
+        </p:nvSpPr>
+        <p:spPr/>
+        <p:txBody>
+          <a:bodyPr/>
+          <a:lstStyle/>
+          <a:p>
+            <a:r>
+              <a:rPr lang="en-US" altLang="zh-CN" dirty="0" err="1" smtClean="0"/>
+              <a:t>Git</a:t>
+            </a:r>
+            <a:r>
+              <a:rPr lang="en-US" altLang="zh-CN" smtClean="0"/>
+              <a:t> status</a:t>
+            </a:r>
+            <a:endParaRPr lang="zh-CN" altLang="en-US"/>
+          </a:p>
+        </p:txBody>
+      </p:sp>
+    </p:spTree>
+    <p:extLst>
+      <p:ext uri="{BB962C8B-B14F-4D97-AF65-F5344CB8AC3E}">
+        <p14:creationId xmlns:p14="http://schemas.microsoft.com/office/powerpoint/2010/main" val="127413705"/>
       </p:ext>
     </p:extLst>
   </p:cSld>

--- a/git命令更新.pptx
+++ b/git命令更新.pptx
@@ -8,6 +8,7 @@
     <p:sldId id="256" r:id="rId2"/>
     <p:sldId id="257" r:id="rId3"/>
     <p:sldId id="258" r:id="rId4"/>
+    <p:sldId id="259" r:id="rId5"/>
   </p:sldIdLst>
   <p:sldSz cx="12192000" cy="6858000"/>
   <p:notesSz cx="6858000" cy="9144000"/>
@@ -245,7 +246,7 @@
           <a:p>
             <a:fld id="{E3BAD743-44FF-4C57-A9CF-341ADCD79EFF}" type="datetimeFigureOut">
               <a:rPr lang="zh-CN" altLang="en-US" smtClean="0"/>
-              <a:t>2018/1/25 Thursday</a:t>
+              <a:t>2018/1/31 Wednesday</a:t>
             </a:fld>
             <a:endParaRPr lang="zh-CN" altLang="en-US"/>
           </a:p>
@@ -415,7 +416,7 @@
           <a:p>
             <a:fld id="{E3BAD743-44FF-4C57-A9CF-341ADCD79EFF}" type="datetimeFigureOut">
               <a:rPr lang="zh-CN" altLang="en-US" smtClean="0"/>
-              <a:t>2018/1/25 Thursday</a:t>
+              <a:t>2018/1/31 Wednesday</a:t>
             </a:fld>
             <a:endParaRPr lang="zh-CN" altLang="en-US"/>
           </a:p>
@@ -595,7 +596,7 @@
           <a:p>
             <a:fld id="{E3BAD743-44FF-4C57-A9CF-341ADCD79EFF}" type="datetimeFigureOut">
               <a:rPr lang="zh-CN" altLang="en-US" smtClean="0"/>
-              <a:t>2018/1/25 Thursday</a:t>
+              <a:t>2018/1/31 Wednesday</a:t>
             </a:fld>
             <a:endParaRPr lang="zh-CN" altLang="en-US"/>
           </a:p>
@@ -765,7 +766,7 @@
           <a:p>
             <a:fld id="{E3BAD743-44FF-4C57-A9CF-341ADCD79EFF}" type="datetimeFigureOut">
               <a:rPr lang="zh-CN" altLang="en-US" smtClean="0"/>
-              <a:t>2018/1/25 Thursday</a:t>
+              <a:t>2018/1/31 Wednesday</a:t>
             </a:fld>
             <a:endParaRPr lang="zh-CN" altLang="en-US"/>
           </a:p>
@@ -1011,7 +1012,7 @@
           <a:p>
             <a:fld id="{E3BAD743-44FF-4C57-A9CF-341ADCD79EFF}" type="datetimeFigureOut">
               <a:rPr lang="zh-CN" altLang="en-US" smtClean="0"/>
-              <a:t>2018/1/25 Thursday</a:t>
+              <a:t>2018/1/31 Wednesday</a:t>
             </a:fld>
             <a:endParaRPr lang="zh-CN" altLang="en-US"/>
           </a:p>
@@ -1243,7 +1244,7 @@
           <a:p>
             <a:fld id="{E3BAD743-44FF-4C57-A9CF-341ADCD79EFF}" type="datetimeFigureOut">
               <a:rPr lang="zh-CN" altLang="en-US" smtClean="0"/>
-              <a:t>2018/1/25 Thursday</a:t>
+              <a:t>2018/1/31 Wednesday</a:t>
             </a:fld>
             <a:endParaRPr lang="zh-CN" altLang="en-US"/>
           </a:p>
@@ -1610,7 +1611,7 @@
           <a:p>
             <a:fld id="{E3BAD743-44FF-4C57-A9CF-341ADCD79EFF}" type="datetimeFigureOut">
               <a:rPr lang="zh-CN" altLang="en-US" smtClean="0"/>
-              <a:t>2018/1/25 Thursday</a:t>
+              <a:t>2018/1/31 Wednesday</a:t>
             </a:fld>
             <a:endParaRPr lang="zh-CN" altLang="en-US"/>
           </a:p>
@@ -1728,7 +1729,7 @@
           <a:p>
             <a:fld id="{E3BAD743-44FF-4C57-A9CF-341ADCD79EFF}" type="datetimeFigureOut">
               <a:rPr lang="zh-CN" altLang="en-US" smtClean="0"/>
-              <a:t>2018/1/25 Thursday</a:t>
+              <a:t>2018/1/31 Wednesday</a:t>
             </a:fld>
             <a:endParaRPr lang="zh-CN" altLang="en-US"/>
           </a:p>
@@ -1823,7 +1824,7 @@
           <a:p>
             <a:fld id="{E3BAD743-44FF-4C57-A9CF-341ADCD79EFF}" type="datetimeFigureOut">
               <a:rPr lang="zh-CN" altLang="en-US" smtClean="0"/>
-              <a:t>2018/1/25 Thursday</a:t>
+              <a:t>2018/1/31 Wednesday</a:t>
             </a:fld>
             <a:endParaRPr lang="zh-CN" altLang="en-US"/>
           </a:p>
@@ -2100,7 +2101,7 @@
           <a:p>
             <a:fld id="{E3BAD743-44FF-4C57-A9CF-341ADCD79EFF}" type="datetimeFigureOut">
               <a:rPr lang="zh-CN" altLang="en-US" smtClean="0"/>
-              <a:t>2018/1/25 Thursday</a:t>
+              <a:t>2018/1/31 Wednesday</a:t>
             </a:fld>
             <a:endParaRPr lang="zh-CN" altLang="en-US"/>
           </a:p>
@@ -2353,7 +2354,7 @@
           <a:p>
             <a:fld id="{E3BAD743-44FF-4C57-A9CF-341ADCD79EFF}" type="datetimeFigureOut">
               <a:rPr lang="zh-CN" altLang="en-US" smtClean="0"/>
-              <a:t>2018/1/25 Thursday</a:t>
+              <a:t>2018/1/31 Wednesday</a:t>
             </a:fld>
             <a:endParaRPr lang="zh-CN" altLang="en-US"/>
           </a:p>
@@ -2566,7 +2567,7 @@
           <a:p>
             <a:fld id="{E3BAD743-44FF-4C57-A9CF-341ADCD79EFF}" type="datetimeFigureOut">
               <a:rPr lang="zh-CN" altLang="en-US" smtClean="0"/>
-              <a:t>2018/1/25 Thursday</a:t>
+              <a:t>2018/1/31 Wednesday</a:t>
             </a:fld>
             <a:endParaRPr lang="zh-CN" altLang="en-US"/>
           </a:p>
@@ -3485,6 +3486,225 @@
 </p:sld>
 </file>
 
+<file path=ppt/slides/slide4.xml><?xml version="1.0" encoding="utf-8"?>
+<p:sld xmlns:a="http://schemas.openxmlformats.org/drawingml/2006/main" xmlns:r="http://schemas.openxmlformats.org/officeDocument/2006/relationships" xmlns:p="http://schemas.openxmlformats.org/presentationml/2006/main">
+  <p:cSld>
+    <p:spTree>
+      <p:nvGrpSpPr>
+        <p:cNvPr id="1" name=""/>
+        <p:cNvGrpSpPr/>
+        <p:nvPr/>
+      </p:nvGrpSpPr>
+      <p:grpSpPr>
+        <a:xfrm>
+          <a:off x="0" y="0"/>
+          <a:ext cx="0" cy="0"/>
+          <a:chOff x="0" y="0"/>
+          <a:chExt cx="0" cy="0"/>
+        </a:xfrm>
+      </p:grpSpPr>
+      <p:sp>
+        <p:nvSpPr>
+          <p:cNvPr id="2" name="标题 1"/>
+          <p:cNvSpPr>
+            <a:spLocks noGrp="1"/>
+          </p:cNvSpPr>
+          <p:nvPr>
+            <p:ph type="title"/>
+          </p:nvPr>
+        </p:nvSpPr>
+        <p:spPr/>
+        <p:txBody>
+          <a:bodyPr/>
+          <a:lstStyle/>
+          <a:p>
+            <a:r>
+              <a:rPr lang="en-US" altLang="zh-CN" dirty="0" err="1" smtClean="0"/>
+              <a:t>Github</a:t>
+            </a:r>
+            <a:r>
+              <a:rPr lang="zh-CN" altLang="en-US" dirty="0" smtClean="0"/>
+              <a:t>上贡献代码</a:t>
+            </a:r>
+            <a:endParaRPr lang="zh-CN" altLang="en-US" dirty="0"/>
+          </a:p>
+        </p:txBody>
+      </p:sp>
+      <p:sp>
+        <p:nvSpPr>
+          <p:cNvPr id="3" name="内容占位符 2"/>
+          <p:cNvSpPr>
+            <a:spLocks noGrp="1"/>
+          </p:cNvSpPr>
+          <p:nvPr>
+            <p:ph idx="1"/>
+          </p:nvPr>
+        </p:nvSpPr>
+        <p:spPr/>
+        <p:txBody>
+          <a:bodyPr/>
+          <a:lstStyle/>
+          <a:p>
+            <a:r>
+              <a:rPr lang="zh-CN" altLang="en-US" dirty="0" smtClean="0"/>
+              <a:t>找到相关项目，点击</a:t>
+            </a:r>
+            <a:r>
+              <a:rPr lang="en-US" altLang="zh-CN" dirty="0" smtClean="0"/>
+              <a:t>fork</a:t>
+            </a:r>
+            <a:r>
+              <a:rPr lang="zh-CN" altLang="en-US" dirty="0" smtClean="0"/>
+              <a:t>，自己的主页上会有相关项目</a:t>
+            </a:r>
+            <a:endParaRPr lang="en-US" altLang="zh-CN" dirty="0" smtClean="0"/>
+          </a:p>
+          <a:p>
+            <a:r>
+              <a:rPr lang="en-US" altLang="zh-CN" dirty="0" err="1" smtClean="0"/>
+              <a:t>Git</a:t>
+            </a:r>
+            <a:r>
+              <a:rPr lang="en-US" altLang="zh-CN" dirty="0" smtClean="0"/>
+              <a:t> clone</a:t>
+            </a:r>
+            <a:r>
+              <a:rPr lang="zh-CN" altLang="en-US" dirty="0" smtClean="0"/>
+              <a:t>自己主页上的项目</a:t>
+            </a:r>
+            <a:endParaRPr lang="en-US" altLang="zh-CN" dirty="0" smtClean="0"/>
+          </a:p>
+          <a:p>
+            <a:r>
+              <a:rPr lang="en-US" altLang="zh-CN" dirty="0" err="1" smtClean="0"/>
+              <a:t>Git</a:t>
+            </a:r>
+            <a:r>
+              <a:rPr lang="en-US" altLang="zh-CN" dirty="0" smtClean="0"/>
+              <a:t> remote add upstream [</a:t>
+            </a:r>
+            <a:r>
+              <a:rPr lang="zh-CN" altLang="en-US" dirty="0" smtClean="0"/>
+              <a:t>原始地址</a:t>
+            </a:r>
+            <a:r>
+              <a:rPr lang="en-US" altLang="zh-CN" dirty="0" smtClean="0"/>
+              <a:t>] </a:t>
+            </a:r>
+            <a:r>
+              <a:rPr lang="zh-CN" altLang="en-US" dirty="0" smtClean="0"/>
+              <a:t>建立与上游的关系</a:t>
+            </a:r>
+            <a:endParaRPr lang="en-US" altLang="zh-CN" dirty="0" smtClean="0"/>
+          </a:p>
+          <a:p>
+            <a:r>
+              <a:rPr lang="zh-CN" altLang="en-US" dirty="0" smtClean="0"/>
+              <a:t>修改本地项目</a:t>
+            </a:r>
+            <a:r>
+              <a:rPr lang="en-US" altLang="zh-CN" dirty="0" smtClean="0"/>
+              <a:t>,</a:t>
+            </a:r>
+            <a:r>
+              <a:rPr lang="zh-CN" altLang="en-US" dirty="0" smtClean="0"/>
+              <a:t>然后</a:t>
+            </a:r>
+            <a:r>
+              <a:rPr lang="en-US" altLang="zh-CN" dirty="0" err="1" smtClean="0"/>
+              <a:t>git</a:t>
+            </a:r>
+            <a:r>
+              <a:rPr lang="en-US" altLang="zh-CN" dirty="0" smtClean="0"/>
+              <a:t> add.&amp;&amp;</a:t>
+            </a:r>
+            <a:r>
+              <a:rPr lang="en-US" altLang="zh-CN" dirty="0" err="1" smtClean="0"/>
+              <a:t>git</a:t>
+            </a:r>
+            <a:r>
+              <a:rPr lang="en-US" altLang="zh-CN" dirty="0" smtClean="0"/>
+              <a:t> commit –m “</a:t>
+            </a:r>
+            <a:r>
+              <a:rPr lang="zh-CN" altLang="en-US" dirty="0" smtClean="0"/>
+              <a:t>评论</a:t>
+            </a:r>
+            <a:r>
+              <a:rPr lang="en-US" altLang="zh-CN" dirty="0" smtClean="0"/>
+              <a:t>”</a:t>
+            </a:r>
+          </a:p>
+          <a:p>
+            <a:r>
+              <a:rPr lang="zh-CN" altLang="en-US" dirty="0"/>
+              <a:t>拉</a:t>
+            </a:r>
+            <a:r>
+              <a:rPr lang="zh-CN" altLang="en-US" dirty="0" smtClean="0"/>
+              <a:t>取上游远程仓库代码 </a:t>
+            </a:r>
+            <a:r>
+              <a:rPr lang="en-US" altLang="zh-CN" dirty="0" err="1" smtClean="0"/>
+              <a:t>git</a:t>
+            </a:r>
+            <a:r>
+              <a:rPr lang="en-US" altLang="zh-CN" dirty="0" smtClean="0"/>
+              <a:t> pull upstream master(</a:t>
+            </a:r>
+            <a:r>
+              <a:rPr lang="zh-CN" altLang="en-US" dirty="0" smtClean="0"/>
+              <a:t>分支默认</a:t>
+            </a:r>
+            <a:r>
+              <a:rPr lang="en-US" altLang="zh-CN" dirty="0" smtClean="0"/>
+              <a:t>master)</a:t>
+            </a:r>
+          </a:p>
+          <a:p>
+            <a:r>
+              <a:rPr lang="en-US" altLang="zh-CN" dirty="0" err="1" smtClean="0"/>
+              <a:t>Git</a:t>
+            </a:r>
+            <a:r>
+              <a:rPr lang="en-US" altLang="zh-CN" dirty="0" smtClean="0"/>
+              <a:t> push origin master </a:t>
+            </a:r>
+            <a:r>
+              <a:rPr lang="zh-CN" altLang="en-US" dirty="0" smtClean="0"/>
+              <a:t>上传修改到本地</a:t>
+            </a:r>
+            <a:r>
+              <a:rPr lang="en-US" altLang="zh-CN" dirty="0" smtClean="0"/>
+              <a:t>GitHub</a:t>
+            </a:r>
+          </a:p>
+          <a:p>
+            <a:r>
+              <a:rPr lang="zh-CN" altLang="en-US" dirty="0" smtClean="0"/>
+              <a:t>最后点击</a:t>
+            </a:r>
+            <a:r>
+              <a:rPr lang="en-US" altLang="zh-CN" dirty="0" smtClean="0"/>
+              <a:t>New pull request</a:t>
+            </a:r>
+            <a:endParaRPr lang="zh-CN" altLang="en-US" dirty="0"/>
+          </a:p>
+        </p:txBody>
+      </p:sp>
+    </p:spTree>
+    <p:extLst>
+      <p:ext uri="{BB962C8B-B14F-4D97-AF65-F5344CB8AC3E}">
+        <p14:creationId xmlns:p14="http://schemas.microsoft.com/office/powerpoint/2010/main" val="4129918273"/>
+      </p:ext>
+    </p:extLst>
+  </p:cSld>
+  <p:clrMapOvr>
+    <a:masterClrMapping/>
+  </p:clrMapOvr>
+</p:sld>
+</file>
+
 <file path=ppt/theme/theme1.xml><?xml version="1.0" encoding="utf-8"?>
 <a:theme xmlns:a="http://schemas.openxmlformats.org/drawingml/2006/main" name="Office 主题​​">
   <a:themeElements>
